--- a/Documentation/NepHeal 1st Presentation.pptx
+++ b/Documentation/NepHeal 1st Presentation.pptx
@@ -1,29 +1,30 @@
 
 <file path=ppt/presentation.xml><?xml version="1.0" encoding="utf-8"?>
-<p:presentation xmlns:a="http://schemas.openxmlformats.org/drawingml/2006/main" xmlns:r="http://schemas.openxmlformats.org/officeDocument/2006/relationships" xmlns:p="http://schemas.openxmlformats.org/presentationml/2006/main" saveSubsetFonts="1" embedTrueTypeFonts="true">
+<p:presentation xmlns:a="http://schemas.openxmlformats.org/drawingml/2006/main" xmlns:r="http://schemas.openxmlformats.org/officeDocument/2006/relationships" xmlns:p="http://schemas.openxmlformats.org/presentationml/2006/main" embedTrueTypeFonts="1" saveSubsetFonts="1">
   <p:sldMasterIdLst>
     <p:sldMasterId id="2147483648" r:id="rId1"/>
   </p:sldMasterIdLst>
   <p:sldIdLst>
-    <p:sldId id="256" r:id="rId6"/>
-    <p:sldId id="257" r:id="rId7"/>
-    <p:sldId id="258" r:id="rId8"/>
-    <p:sldId id="259" r:id="rId9"/>
-    <p:sldId id="260" r:id="rId10"/>
-    <p:sldId id="261" r:id="rId11"/>
-    <p:sldId id="262" r:id="rId12"/>
-    <p:sldId id="263" r:id="rId13"/>
+    <p:sldId id="256" r:id="rId2"/>
+    <p:sldId id="257" r:id="rId3"/>
+    <p:sldId id="258" r:id="rId4"/>
+    <p:sldId id="259" r:id="rId5"/>
+    <p:sldId id="260" r:id="rId6"/>
+    <p:sldId id="261" r:id="rId7"/>
+    <p:sldId id="262" r:id="rId8"/>
+    <p:sldId id="263" r:id="rId9"/>
+    <p:sldId id="264" r:id="rId10"/>
   </p:sldIdLst>
   <p:sldSz cx="18288000" cy="10287000"/>
   <p:notesSz cx="6858000" cy="9144000"/>
   <p:embeddedFontLst>
     <p:embeddedFont>
-      <p:font typeface="Satori Sans" charset="1" panose="00000500000000000000"/>
-      <p:regular r:id="rId14"/>
+      <p:font typeface="Poppins" panose="00000500000000000000" pitchFamily="2" charset="0"/>
+      <p:regular r:id="rId11"/>
     </p:embeddedFont>
     <p:embeddedFont>
-      <p:font typeface="Poppins" charset="1" panose="00000500000000000000"/>
-      <p:regular r:id="rId15"/>
+      <p:font typeface="Satori Sans" panose="020B0604020202020204" charset="0"/>
+      <p:regular r:id="rId12"/>
     </p:embeddedFont>
   </p:embeddedFontLst>
   <p:defaultTextStyle>
@@ -121,6 +122,22 @@
       </a:defRPr>
     </a:lvl9pPr>
   </p:defaultTextStyle>
+  <p:extLst>
+    <p:ext uri="{EFAFB233-063F-42B5-8137-9DF3F51BA10A}">
+      <p15:sldGuideLst xmlns:p15="http://schemas.microsoft.com/office/powerpoint/2012/main">
+        <p15:guide id="1" orient="horz" pos="2160">
+          <p15:clr>
+            <a:srgbClr val="A4A3A4"/>
+          </p15:clr>
+        </p15:guide>
+        <p15:guide id="2" pos="2880">
+          <p15:clr>
+            <a:srgbClr val="A4A3A4"/>
+          </p15:clr>
+        </p15:guide>
+      </p15:sldGuideLst>
+    </p:ext>
+  </p:extLst>
 </p:presentation>
 </file>
 
@@ -162,10 +179,9 @@
           <a:lstStyle/>
           <a:p>
             <a:r>
-              <a:rPr lang="en-US" smtClean="0"/>
+              <a:rPr lang="en-US"/>
               <a:t>Click to edit Master title style</a:t>
             </a:r>
-            <a:endParaRPr lang="en-US"/>
           </a:p>
         </p:txBody>
       </p:sp>
@@ -281,10 +297,9 @@
           </a:lstStyle>
           <a:p>
             <a:r>
-              <a:rPr lang="en-US" smtClean="0"/>
+              <a:rPr lang="en-US"/>
               <a:t>Click to edit Master subtitle style</a:t>
             </a:r>
-            <a:endParaRPr lang="en-US"/>
           </a:p>
         </p:txBody>
       </p:sp>
@@ -306,7 +321,7 @@
             <a:fld id="{1D8BD707-D9CF-40AE-B4C6-C98DA3205C09}" type="datetimeFigureOut">
               <a:rPr lang="en-US" smtClean="0"/>
               <a:pPr/>
-              <a:t>8/1/2011</a:t>
+              <a:t>6/19/2025</a:t>
             </a:fld>
             <a:endParaRPr lang="en-US"/>
           </a:p>
@@ -396,10 +411,9 @@
           <a:lstStyle/>
           <a:p>
             <a:r>
-              <a:rPr lang="en-US" smtClean="0"/>
+              <a:rPr lang="en-US"/>
               <a:t>Click to edit Master title style</a:t>
             </a:r>
-            <a:endParaRPr lang="en-US"/>
           </a:p>
         </p:txBody>
       </p:sp>
@@ -420,38 +434,37 @@
           <a:p>
             <a:pPr lvl="0"/>
             <a:r>
-              <a:rPr lang="en-US" smtClean="0"/>
+              <a:rPr lang="en-US"/>
               <a:t>Click to edit Master text styles</a:t>
             </a:r>
           </a:p>
           <a:p>
             <a:pPr lvl="1"/>
             <a:r>
-              <a:rPr lang="en-US" smtClean="0"/>
+              <a:rPr lang="en-US"/>
               <a:t>Second level</a:t>
             </a:r>
           </a:p>
           <a:p>
             <a:pPr lvl="2"/>
             <a:r>
-              <a:rPr lang="en-US" smtClean="0"/>
+              <a:rPr lang="en-US"/>
               <a:t>Third level</a:t>
             </a:r>
           </a:p>
           <a:p>
             <a:pPr lvl="3"/>
             <a:r>
-              <a:rPr lang="en-US" smtClean="0"/>
+              <a:rPr lang="en-US"/>
               <a:t>Fourth level</a:t>
             </a:r>
           </a:p>
           <a:p>
             <a:pPr lvl="4"/>
             <a:r>
-              <a:rPr lang="en-US" smtClean="0"/>
+              <a:rPr lang="en-US"/>
               <a:t>Fifth level</a:t>
             </a:r>
-            <a:endParaRPr lang="en-US"/>
           </a:p>
         </p:txBody>
       </p:sp>
@@ -473,7 +486,7 @@
             <a:fld id="{1D8BD707-D9CF-40AE-B4C6-C98DA3205C09}" type="datetimeFigureOut">
               <a:rPr lang="en-US" smtClean="0"/>
               <a:pPr/>
-              <a:t>8/1/2011</a:t>
+              <a:t>6/19/2025</a:t>
             </a:fld>
             <a:endParaRPr lang="en-US"/>
           </a:p>
@@ -568,10 +581,9 @@
           <a:lstStyle/>
           <a:p>
             <a:r>
-              <a:rPr lang="en-US" smtClean="0"/>
+              <a:rPr lang="en-US"/>
               <a:t>Click to edit Master title style</a:t>
             </a:r>
-            <a:endParaRPr lang="en-US"/>
           </a:p>
         </p:txBody>
       </p:sp>
@@ -597,38 +609,37 @@
           <a:p>
             <a:pPr lvl="0"/>
             <a:r>
-              <a:rPr lang="en-US" smtClean="0"/>
+              <a:rPr lang="en-US"/>
               <a:t>Click to edit Master text styles</a:t>
             </a:r>
           </a:p>
           <a:p>
             <a:pPr lvl="1"/>
             <a:r>
-              <a:rPr lang="en-US" smtClean="0"/>
+              <a:rPr lang="en-US"/>
               <a:t>Second level</a:t>
             </a:r>
           </a:p>
           <a:p>
             <a:pPr lvl="2"/>
             <a:r>
-              <a:rPr lang="en-US" smtClean="0"/>
+              <a:rPr lang="en-US"/>
               <a:t>Third level</a:t>
             </a:r>
           </a:p>
           <a:p>
             <a:pPr lvl="3"/>
             <a:r>
-              <a:rPr lang="en-US" smtClean="0"/>
+              <a:rPr lang="en-US"/>
               <a:t>Fourth level</a:t>
             </a:r>
           </a:p>
           <a:p>
             <a:pPr lvl="4"/>
             <a:r>
-              <a:rPr lang="en-US" smtClean="0"/>
+              <a:rPr lang="en-US"/>
               <a:t>Fifth level</a:t>
             </a:r>
-            <a:endParaRPr lang="en-US"/>
           </a:p>
         </p:txBody>
       </p:sp>
@@ -650,7 +661,7 @@
             <a:fld id="{1D8BD707-D9CF-40AE-B4C6-C98DA3205C09}" type="datetimeFigureOut">
               <a:rPr lang="en-US" smtClean="0"/>
               <a:pPr/>
-              <a:t>8/1/2011</a:t>
+              <a:t>6/19/2025</a:t>
             </a:fld>
             <a:endParaRPr lang="en-US"/>
           </a:p>
@@ -740,10 +751,9 @@
           <a:lstStyle/>
           <a:p>
             <a:r>
-              <a:rPr lang="en-US" smtClean="0"/>
+              <a:rPr lang="en-US"/>
               <a:t>Click to edit Master title style</a:t>
             </a:r>
-            <a:endParaRPr lang="en-US"/>
           </a:p>
         </p:txBody>
       </p:sp>
@@ -764,38 +774,37 @@
           <a:p>
             <a:pPr lvl="0"/>
             <a:r>
-              <a:rPr lang="en-US" smtClean="0"/>
+              <a:rPr lang="en-US"/>
               <a:t>Click to edit Master text styles</a:t>
             </a:r>
           </a:p>
           <a:p>
             <a:pPr lvl="1"/>
             <a:r>
-              <a:rPr lang="en-US" smtClean="0"/>
+              <a:rPr lang="en-US"/>
               <a:t>Second level</a:t>
             </a:r>
           </a:p>
           <a:p>
             <a:pPr lvl="2"/>
             <a:r>
-              <a:rPr lang="en-US" smtClean="0"/>
+              <a:rPr lang="en-US"/>
               <a:t>Third level</a:t>
             </a:r>
           </a:p>
           <a:p>
             <a:pPr lvl="3"/>
             <a:r>
-              <a:rPr lang="en-US" smtClean="0"/>
+              <a:rPr lang="en-US"/>
               <a:t>Fourth level</a:t>
             </a:r>
           </a:p>
           <a:p>
             <a:pPr lvl="4"/>
             <a:r>
-              <a:rPr lang="en-US" smtClean="0"/>
+              <a:rPr lang="en-US"/>
               <a:t>Fifth level</a:t>
             </a:r>
-            <a:endParaRPr lang="en-US"/>
           </a:p>
         </p:txBody>
       </p:sp>
@@ -817,7 +826,7 @@
             <a:fld id="{1D8BD707-D9CF-40AE-B4C6-C98DA3205C09}" type="datetimeFigureOut">
               <a:rPr lang="en-US" smtClean="0"/>
               <a:pPr/>
-              <a:t>8/1/2011</a:t>
+              <a:t>6/19/2025</a:t>
             </a:fld>
             <a:endParaRPr lang="en-US"/>
           </a:p>
@@ -916,10 +925,9 @@
           </a:lstStyle>
           <a:p>
             <a:r>
-              <a:rPr lang="en-US" smtClean="0"/>
+              <a:rPr lang="en-US"/>
               <a:t>Click to edit Master title style</a:t>
             </a:r>
-            <a:endParaRPr lang="en-US"/>
           </a:p>
         </p:txBody>
       </p:sp>
@@ -1036,7 +1044,7 @@
           <a:p>
             <a:pPr lvl="0"/>
             <a:r>
-              <a:rPr lang="en-US" smtClean="0"/>
+              <a:rPr lang="en-US"/>
               <a:t>Click to edit Master text styles</a:t>
             </a:r>
           </a:p>
@@ -1060,7 +1068,7 @@
             <a:fld id="{1D8BD707-D9CF-40AE-B4C6-C98DA3205C09}" type="datetimeFigureOut">
               <a:rPr lang="en-US" smtClean="0"/>
               <a:pPr/>
-              <a:t>8/1/2011</a:t>
+              <a:t>6/19/2025</a:t>
             </a:fld>
             <a:endParaRPr lang="en-US"/>
           </a:p>
@@ -1150,10 +1158,9 @@
           <a:lstStyle/>
           <a:p>
             <a:r>
-              <a:rPr lang="en-US" smtClean="0"/>
+              <a:rPr lang="en-US"/>
               <a:t>Click to edit Master title style</a:t>
             </a:r>
-            <a:endParaRPr lang="en-US"/>
           </a:p>
         </p:txBody>
       </p:sp>
@@ -1207,38 +1214,37 @@
           <a:p>
             <a:pPr lvl="0"/>
             <a:r>
-              <a:rPr lang="en-US" smtClean="0"/>
+              <a:rPr lang="en-US"/>
               <a:t>Click to edit Master text styles</a:t>
             </a:r>
           </a:p>
           <a:p>
             <a:pPr lvl="1"/>
             <a:r>
-              <a:rPr lang="en-US" smtClean="0"/>
+              <a:rPr lang="en-US"/>
               <a:t>Second level</a:t>
             </a:r>
           </a:p>
           <a:p>
             <a:pPr lvl="2"/>
             <a:r>
-              <a:rPr lang="en-US" smtClean="0"/>
+              <a:rPr lang="en-US"/>
               <a:t>Third level</a:t>
             </a:r>
           </a:p>
           <a:p>
             <a:pPr lvl="3"/>
             <a:r>
-              <a:rPr lang="en-US" smtClean="0"/>
+              <a:rPr lang="en-US"/>
               <a:t>Fourth level</a:t>
             </a:r>
           </a:p>
           <a:p>
             <a:pPr lvl="4"/>
             <a:r>
-              <a:rPr lang="en-US" smtClean="0"/>
+              <a:rPr lang="en-US"/>
               <a:t>Fifth level</a:t>
             </a:r>
-            <a:endParaRPr lang="en-US"/>
           </a:p>
         </p:txBody>
       </p:sp>
@@ -1292,38 +1298,37 @@
           <a:p>
             <a:pPr lvl="0"/>
             <a:r>
-              <a:rPr lang="en-US" smtClean="0"/>
+              <a:rPr lang="en-US"/>
               <a:t>Click to edit Master text styles</a:t>
             </a:r>
           </a:p>
           <a:p>
             <a:pPr lvl="1"/>
             <a:r>
-              <a:rPr lang="en-US" smtClean="0"/>
+              <a:rPr lang="en-US"/>
               <a:t>Second level</a:t>
             </a:r>
           </a:p>
           <a:p>
             <a:pPr lvl="2"/>
             <a:r>
-              <a:rPr lang="en-US" smtClean="0"/>
+              <a:rPr lang="en-US"/>
               <a:t>Third level</a:t>
             </a:r>
           </a:p>
           <a:p>
             <a:pPr lvl="3"/>
             <a:r>
-              <a:rPr lang="en-US" smtClean="0"/>
+              <a:rPr lang="en-US"/>
               <a:t>Fourth level</a:t>
             </a:r>
           </a:p>
           <a:p>
             <a:pPr lvl="4"/>
             <a:r>
-              <a:rPr lang="en-US" smtClean="0"/>
+              <a:rPr lang="en-US"/>
               <a:t>Fifth level</a:t>
             </a:r>
-            <a:endParaRPr lang="en-US"/>
           </a:p>
         </p:txBody>
       </p:sp>
@@ -1345,7 +1350,7 @@
             <a:fld id="{1D8BD707-D9CF-40AE-B4C6-C98DA3205C09}" type="datetimeFigureOut">
               <a:rPr lang="en-US" smtClean="0"/>
               <a:pPr/>
-              <a:t>8/1/2011</a:t>
+              <a:t>6/19/2025</a:t>
             </a:fld>
             <a:endParaRPr lang="en-US"/>
           </a:p>
@@ -1439,10 +1444,9 @@
           </a:lstStyle>
           <a:p>
             <a:r>
-              <a:rPr lang="en-US" smtClean="0"/>
+              <a:rPr lang="en-US"/>
               <a:t>Click to edit Master title style</a:t>
             </a:r>
-            <a:endParaRPr lang="en-US"/>
           </a:p>
         </p:txBody>
       </p:sp>
@@ -1505,7 +1509,7 @@
           <a:p>
             <a:pPr lvl="0"/>
             <a:r>
-              <a:rPr lang="en-US" smtClean="0"/>
+              <a:rPr lang="en-US"/>
               <a:t>Click to edit Master text styles</a:t>
             </a:r>
           </a:p>
@@ -1561,38 +1565,37 @@
           <a:p>
             <a:pPr lvl="0"/>
             <a:r>
-              <a:rPr lang="en-US" smtClean="0"/>
+              <a:rPr lang="en-US"/>
               <a:t>Click to edit Master text styles</a:t>
             </a:r>
           </a:p>
           <a:p>
             <a:pPr lvl="1"/>
             <a:r>
-              <a:rPr lang="en-US" smtClean="0"/>
+              <a:rPr lang="en-US"/>
               <a:t>Second level</a:t>
             </a:r>
           </a:p>
           <a:p>
             <a:pPr lvl="2"/>
             <a:r>
-              <a:rPr lang="en-US" smtClean="0"/>
+              <a:rPr lang="en-US"/>
               <a:t>Third level</a:t>
             </a:r>
           </a:p>
           <a:p>
             <a:pPr lvl="3"/>
             <a:r>
-              <a:rPr lang="en-US" smtClean="0"/>
+              <a:rPr lang="en-US"/>
               <a:t>Fourth level</a:t>
             </a:r>
           </a:p>
           <a:p>
             <a:pPr lvl="4"/>
             <a:r>
-              <a:rPr lang="en-US" smtClean="0"/>
+              <a:rPr lang="en-US"/>
               <a:t>Fifth level</a:t>
             </a:r>
-            <a:endParaRPr lang="en-US"/>
           </a:p>
         </p:txBody>
       </p:sp>
@@ -1655,7 +1658,7 @@
           <a:p>
             <a:pPr lvl="0"/>
             <a:r>
-              <a:rPr lang="en-US" smtClean="0"/>
+              <a:rPr lang="en-US"/>
               <a:t>Click to edit Master text styles</a:t>
             </a:r>
           </a:p>
@@ -1711,38 +1714,37 @@
           <a:p>
             <a:pPr lvl="0"/>
             <a:r>
-              <a:rPr lang="en-US" smtClean="0"/>
+              <a:rPr lang="en-US"/>
               <a:t>Click to edit Master text styles</a:t>
             </a:r>
           </a:p>
           <a:p>
             <a:pPr lvl="1"/>
             <a:r>
-              <a:rPr lang="en-US" smtClean="0"/>
+              <a:rPr lang="en-US"/>
               <a:t>Second level</a:t>
             </a:r>
           </a:p>
           <a:p>
             <a:pPr lvl="2"/>
             <a:r>
-              <a:rPr lang="en-US" smtClean="0"/>
+              <a:rPr lang="en-US"/>
               <a:t>Third level</a:t>
             </a:r>
           </a:p>
           <a:p>
             <a:pPr lvl="3"/>
             <a:r>
-              <a:rPr lang="en-US" smtClean="0"/>
+              <a:rPr lang="en-US"/>
               <a:t>Fourth level</a:t>
             </a:r>
           </a:p>
           <a:p>
             <a:pPr lvl="4"/>
             <a:r>
-              <a:rPr lang="en-US" smtClean="0"/>
+              <a:rPr lang="en-US"/>
               <a:t>Fifth level</a:t>
             </a:r>
-            <a:endParaRPr lang="en-US"/>
           </a:p>
         </p:txBody>
       </p:sp>
@@ -1764,7 +1766,7 @@
             <a:fld id="{1D8BD707-D9CF-40AE-B4C6-C98DA3205C09}" type="datetimeFigureOut">
               <a:rPr lang="en-US" smtClean="0"/>
               <a:pPr/>
-              <a:t>8/1/2011</a:t>
+              <a:t>6/19/2025</a:t>
             </a:fld>
             <a:endParaRPr lang="en-US"/>
           </a:p>
@@ -1854,10 +1856,9 @@
           <a:lstStyle/>
           <a:p>
             <a:r>
-              <a:rPr lang="en-US" smtClean="0"/>
+              <a:rPr lang="en-US"/>
               <a:t>Click to edit Master title style</a:t>
             </a:r>
-            <a:endParaRPr lang="en-US"/>
           </a:p>
         </p:txBody>
       </p:sp>
@@ -1879,7 +1880,7 @@
             <a:fld id="{1D8BD707-D9CF-40AE-B4C6-C98DA3205C09}" type="datetimeFigureOut">
               <a:rPr lang="en-US" smtClean="0"/>
               <a:pPr/>
-              <a:t>8/1/2011</a:t>
+              <a:t>6/19/2025</a:t>
             </a:fld>
             <a:endParaRPr lang="en-US"/>
           </a:p>
@@ -1971,7 +1972,7 @@
             <a:fld id="{1D8BD707-D9CF-40AE-B4C6-C98DA3205C09}" type="datetimeFigureOut">
               <a:rPr lang="en-US" smtClean="0"/>
               <a:pPr/>
-              <a:t>8/1/2011</a:t>
+              <a:t>6/19/2025</a:t>
             </a:fld>
             <a:endParaRPr lang="en-US"/>
           </a:p>
@@ -2070,10 +2071,9 @@
           </a:lstStyle>
           <a:p>
             <a:r>
-              <a:rPr lang="en-US" smtClean="0"/>
+              <a:rPr lang="en-US"/>
               <a:t>Click to edit Master title style</a:t>
             </a:r>
-            <a:endParaRPr lang="en-US"/>
           </a:p>
         </p:txBody>
       </p:sp>
@@ -2127,38 +2127,37 @@
           <a:p>
             <a:pPr lvl="0"/>
             <a:r>
-              <a:rPr lang="en-US" smtClean="0"/>
+              <a:rPr lang="en-US"/>
               <a:t>Click to edit Master text styles</a:t>
             </a:r>
           </a:p>
           <a:p>
             <a:pPr lvl="1"/>
             <a:r>
-              <a:rPr lang="en-US" smtClean="0"/>
+              <a:rPr lang="en-US"/>
               <a:t>Second level</a:t>
             </a:r>
           </a:p>
           <a:p>
             <a:pPr lvl="2"/>
             <a:r>
-              <a:rPr lang="en-US" smtClean="0"/>
+              <a:rPr lang="en-US"/>
               <a:t>Third level</a:t>
             </a:r>
           </a:p>
           <a:p>
             <a:pPr lvl="3"/>
             <a:r>
-              <a:rPr lang="en-US" smtClean="0"/>
+              <a:rPr lang="en-US"/>
               <a:t>Fourth level</a:t>
             </a:r>
           </a:p>
           <a:p>
             <a:pPr lvl="4"/>
             <a:r>
-              <a:rPr lang="en-US" smtClean="0"/>
+              <a:rPr lang="en-US"/>
               <a:t>Fifth level</a:t>
             </a:r>
-            <a:endParaRPr lang="en-US"/>
           </a:p>
         </p:txBody>
       </p:sp>
@@ -2221,7 +2220,7 @@
           <a:p>
             <a:pPr lvl="0"/>
             <a:r>
-              <a:rPr lang="en-US" smtClean="0"/>
+              <a:rPr lang="en-US"/>
               <a:t>Click to edit Master text styles</a:t>
             </a:r>
           </a:p>
@@ -2245,7 +2244,7 @@
             <a:fld id="{1D8BD707-D9CF-40AE-B4C6-C98DA3205C09}" type="datetimeFigureOut">
               <a:rPr lang="en-US" smtClean="0"/>
               <a:pPr/>
-              <a:t>8/1/2011</a:t>
+              <a:t>6/19/2025</a:t>
             </a:fld>
             <a:endParaRPr lang="en-US"/>
           </a:p>
@@ -2344,10 +2343,9 @@
           </a:lstStyle>
           <a:p>
             <a:r>
-              <a:rPr lang="en-US" smtClean="0"/>
+              <a:rPr lang="en-US"/>
               <a:t>Click to edit Master title style</a:t>
             </a:r>
-            <a:endParaRPr lang="en-US"/>
           </a:p>
         </p:txBody>
       </p:sp>
@@ -2471,7 +2469,7 @@
           <a:p>
             <a:pPr lvl="0"/>
             <a:r>
-              <a:rPr lang="en-US" smtClean="0"/>
+              <a:rPr lang="en-US"/>
               <a:t>Click to edit Master text styles</a:t>
             </a:r>
           </a:p>
@@ -2495,7 +2493,7 @@
             <a:fld id="{1D8BD707-D9CF-40AE-B4C6-C98DA3205C09}" type="datetimeFigureOut">
               <a:rPr lang="en-US" smtClean="0"/>
               <a:pPr/>
-              <a:t>8/1/2011</a:t>
+              <a:t>6/19/2025</a:t>
             </a:fld>
             <a:endParaRPr lang="en-US"/>
           </a:p>
@@ -2600,10 +2598,9 @@
           <a:lstStyle/>
           <a:p>
             <a:r>
-              <a:rPr lang="en-US" smtClean="0"/>
+              <a:rPr lang="en-US"/>
               <a:t>Click to edit Master title style</a:t>
             </a:r>
-            <a:endParaRPr lang="en-US"/>
           </a:p>
         </p:txBody>
       </p:sp>
@@ -2634,38 +2631,37 @@
           <a:p>
             <a:pPr lvl="0"/>
             <a:r>
-              <a:rPr lang="en-US" smtClean="0"/>
+              <a:rPr lang="en-US"/>
               <a:t>Click to edit Master text styles</a:t>
             </a:r>
           </a:p>
           <a:p>
             <a:pPr lvl="1"/>
             <a:r>
-              <a:rPr lang="en-US" smtClean="0"/>
+              <a:rPr lang="en-US"/>
               <a:t>Second level</a:t>
             </a:r>
           </a:p>
           <a:p>
             <a:pPr lvl="2"/>
             <a:r>
-              <a:rPr lang="en-US" smtClean="0"/>
+              <a:rPr lang="en-US"/>
               <a:t>Third level</a:t>
             </a:r>
           </a:p>
           <a:p>
             <a:pPr lvl="3"/>
             <a:r>
-              <a:rPr lang="en-US" smtClean="0"/>
+              <a:rPr lang="en-US"/>
               <a:t>Fourth level</a:t>
             </a:r>
           </a:p>
           <a:p>
             <a:pPr lvl="4"/>
             <a:r>
-              <a:rPr lang="en-US" smtClean="0"/>
+              <a:rPr lang="en-US"/>
               <a:t>Fifth level</a:t>
             </a:r>
-            <a:endParaRPr lang="en-US"/>
           </a:p>
         </p:txBody>
       </p:sp>
@@ -2705,7 +2701,7 @@
             <a:fld id="{1D8BD707-D9CF-40AE-B4C6-C98DA3205C09}" type="datetimeFigureOut">
               <a:rPr lang="en-US" smtClean="0"/>
               <a:pPr/>
-              <a:t>8/1/2011</a:t>
+              <a:t>6/19/2025</a:t>
             </a:fld>
             <a:endParaRPr lang="en-US"/>
           </a:p>
@@ -3060,13 +3056,14 @@
 </file>
 
 <file path=ppt/slides/slide1.xml><?xml version="1.0" encoding="utf-8"?>
-<p:sld xmlns:p="http://schemas.openxmlformats.org/presentationml/2006/main" xmlns:a="http://schemas.openxmlformats.org/drawingml/2006/main" xmlns:r="http://schemas.openxmlformats.org/officeDocument/2006/relationships">
+<p:sld xmlns:a="http://schemas.openxmlformats.org/drawingml/2006/main" xmlns:r="http://schemas.openxmlformats.org/officeDocument/2006/relationships" xmlns:p="http://schemas.openxmlformats.org/presentationml/2006/main">
   <p:cSld>
     <p:bg>
       <p:bgPr>
         <a:solidFill>
           <a:srgbClr val="0E284B"/>
         </a:solidFill>
+        <a:effectLst/>
       </p:bgPr>
     </p:bg>
     <p:spTree>
@@ -3085,12 +3082,12 @@
       </p:grpSpPr>
       <p:sp>
         <p:nvSpPr>
-          <p:cNvPr name="Freeform 2" id="2"/>
+          <p:cNvPr id="2" name="Freeform 2"/>
           <p:cNvSpPr/>
           <p:nvPr/>
         </p:nvSpPr>
         <p:spPr>
-          <a:xfrm flipH="false" flipV="false" rot="0">
+          <a:xfrm>
             <a:off x="4739931" y="739431"/>
             <a:ext cx="8808138" cy="8808138"/>
           </a:xfrm>
@@ -3099,9 +3096,9 @@
             <a:gdLst/>
             <a:ahLst/>
             <a:cxnLst/>
-            <a:rect r="r" b="b" t="t" l="l"/>
+            <a:rect l="l" t="t" r="r" b="b"/>
             <a:pathLst>
-              <a:path h="8808138" w="8808138">
+              <a:path w="8808138" h="8808138">
                 <a:moveTo>
                   <a:pt x="0" y="0"/>
                 </a:moveTo>
@@ -3124,19 +3121,19 @@
           <a:blipFill>
             <a:blip r:embed="rId2"/>
             <a:stretch>
-              <a:fillRect l="0" t="0" r="0" b="0"/>
+              <a:fillRect/>
             </a:stretch>
           </a:blipFill>
         </p:spPr>
       </p:sp>
       <p:sp>
         <p:nvSpPr>
-          <p:cNvPr name="TextBox 3" id="3"/>
-          <p:cNvSpPr txBox="true"/>
+          <p:cNvPr id="3" name="TextBox 3"/>
+          <p:cNvSpPr txBox="1"/>
           <p:nvPr/>
         </p:nvSpPr>
         <p:spPr>
-          <a:xfrm rot="0">
+          <a:xfrm>
             <a:off x="4733131" y="567981"/>
             <a:ext cx="8821738" cy="1656081"/>
           </a:xfrm>
@@ -3145,7 +3142,7 @@
           </a:prstGeom>
         </p:spPr>
         <p:txBody>
-          <a:bodyPr anchor="t" rtlCol="false" tIns="0" lIns="0" bIns="0" rIns="0">
+          <a:bodyPr lIns="0" tIns="0" rIns="0" bIns="0" rtlCol="0" anchor="t">
             <a:spAutoFit/>
           </a:bodyPr>
           <a:lstStyle/>
@@ -3191,12 +3188,12 @@
       </p:sp>
       <p:sp>
         <p:nvSpPr>
-          <p:cNvPr name="TextBox 4" id="4"/>
-          <p:cNvSpPr txBox="true"/>
+          <p:cNvPr id="4" name="TextBox 4"/>
+          <p:cNvSpPr txBox="1"/>
           <p:nvPr/>
         </p:nvSpPr>
         <p:spPr>
-          <a:xfrm rot="0">
+          <a:xfrm>
             <a:off x="4849594" y="7916671"/>
             <a:ext cx="8588812" cy="855981"/>
           </a:xfrm>
@@ -3205,7 +3202,7 @@
           </a:prstGeom>
         </p:spPr>
         <p:txBody>
-          <a:bodyPr anchor="t" rtlCol="false" tIns="0" lIns="0" bIns="0" rIns="0">
+          <a:bodyPr lIns="0" tIns="0" rIns="0" bIns="0" rtlCol="0" anchor="t">
             <a:spAutoFit/>
           </a:bodyPr>
           <a:lstStyle/>
@@ -3239,13 +3236,14 @@
 </file>
 
 <file path=ppt/slides/slide2.xml><?xml version="1.0" encoding="utf-8"?>
-<p:sld xmlns:p="http://schemas.openxmlformats.org/presentationml/2006/main" xmlns:a="http://schemas.openxmlformats.org/drawingml/2006/main" xmlns:r="http://schemas.openxmlformats.org/officeDocument/2006/relationships">
+<p:sld xmlns:a="http://schemas.openxmlformats.org/drawingml/2006/main" xmlns:r="http://schemas.openxmlformats.org/officeDocument/2006/relationships" xmlns:p="http://schemas.openxmlformats.org/presentationml/2006/main">
   <p:cSld>
     <p:bg>
       <p:bgPr>
         <a:solidFill>
           <a:srgbClr val="0E284B"/>
         </a:solidFill>
+        <a:effectLst/>
       </p:bgPr>
     </p:bg>
     <p:spTree>
@@ -3264,12 +3262,12 @@
       </p:grpSpPr>
       <p:sp>
         <p:nvSpPr>
-          <p:cNvPr name="Freeform 2" id="2"/>
+          <p:cNvPr id="2" name="Freeform 2"/>
           <p:cNvSpPr/>
           <p:nvPr/>
         </p:nvSpPr>
         <p:spPr>
-          <a:xfrm flipH="false" flipV="false" rot="0">
+          <a:xfrm>
             <a:off x="14857858" y="-351298"/>
             <a:ext cx="3430142" cy="3430142"/>
           </a:xfrm>
@@ -3278,9 +3276,9 @@
             <a:gdLst/>
             <a:ahLst/>
             <a:cxnLst/>
-            <a:rect r="r" b="b" t="t" l="l"/>
+            <a:rect l="l" t="t" r="r" b="b"/>
             <a:pathLst>
-              <a:path h="3430142" w="3430142">
+              <a:path w="3430142" h="3430142">
                 <a:moveTo>
                   <a:pt x="0" y="0"/>
                 </a:moveTo>
@@ -3303,19 +3301,19 @@
           <a:blipFill>
             <a:blip r:embed="rId2"/>
             <a:stretch>
-              <a:fillRect l="0" t="0" r="0" b="0"/>
+              <a:fillRect/>
             </a:stretch>
           </a:blipFill>
         </p:spPr>
       </p:sp>
       <p:sp>
         <p:nvSpPr>
-          <p:cNvPr name="Freeform 3" id="3"/>
+          <p:cNvPr id="3" name="Freeform 3"/>
           <p:cNvSpPr/>
           <p:nvPr/>
         </p:nvSpPr>
         <p:spPr>
-          <a:xfrm flipH="false" flipV="false" rot="0">
+          <a:xfrm>
             <a:off x="0" y="2489845"/>
             <a:ext cx="18288000" cy="8229600"/>
           </a:xfrm>
@@ -3324,9 +3322,9 @@
             <a:gdLst/>
             <a:ahLst/>
             <a:cxnLst/>
-            <a:rect r="r" b="b" t="t" l="l"/>
+            <a:rect l="l" t="t" r="r" b="b"/>
             <a:pathLst>
-              <a:path h="8229600" w="18288000">
+              <a:path w="18288000" h="8229600">
                 <a:moveTo>
                   <a:pt x="0" y="0"/>
                 </a:moveTo>
@@ -3351,19 +3349,19 @@
               <a:alphaModFix amt="15000"/>
             </a:blip>
             <a:stretch>
-              <a:fillRect l="0" t="-12500" r="0" b="-12500"/>
+              <a:fillRect t="-12500" b="-12500"/>
             </a:stretch>
           </a:blipFill>
         </p:spPr>
       </p:sp>
       <p:sp>
         <p:nvSpPr>
-          <p:cNvPr name="TextBox 4" id="4"/>
-          <p:cNvSpPr txBox="true"/>
+          <p:cNvPr id="4" name="TextBox 4"/>
+          <p:cNvSpPr txBox="1"/>
           <p:nvPr/>
         </p:nvSpPr>
         <p:spPr>
-          <a:xfrm rot="0">
+          <a:xfrm>
             <a:off x="747117" y="489579"/>
             <a:ext cx="6569869" cy="2000265"/>
           </a:xfrm>
@@ -3372,7 +3370,7 @@
           </a:prstGeom>
         </p:spPr>
         <p:txBody>
-          <a:bodyPr anchor="t" rtlCol="false" tIns="0" lIns="0" bIns="0" rIns="0">
+          <a:bodyPr lIns="0" tIns="0" rIns="0" bIns="0" rtlCol="0" anchor="t">
             <a:spAutoFit/>
           </a:bodyPr>
           <a:lstStyle/>
@@ -3399,12 +3397,12 @@
       </p:sp>
       <p:sp>
         <p:nvSpPr>
-          <p:cNvPr name="TextBox 5" id="5"/>
-          <p:cNvSpPr txBox="true"/>
+          <p:cNvPr id="5" name="TextBox 5"/>
+          <p:cNvSpPr txBox="1"/>
           <p:nvPr/>
         </p:nvSpPr>
         <p:spPr>
-          <a:xfrm rot="0">
+          <a:xfrm>
             <a:off x="300355" y="3784659"/>
             <a:ext cx="15265598" cy="3171826"/>
           </a:xfrm>
@@ -3413,12 +3411,12 @@
           </a:prstGeom>
         </p:spPr>
         <p:txBody>
-          <a:bodyPr anchor="t" rtlCol="false" tIns="0" lIns="0" bIns="0" rIns="0">
+          <a:bodyPr lIns="0" tIns="0" rIns="0" bIns="0" rtlCol="0" anchor="t">
             <a:spAutoFit/>
           </a:bodyPr>
           <a:lstStyle/>
           <a:p>
-            <a:pPr algn="l" marL="971542" indent="-485771" lvl="1">
+            <a:pPr marL="971542" lvl="1" indent="-485771" algn="l">
               <a:lnSpc>
                 <a:spcPts val="6299"/>
               </a:lnSpc>
@@ -3439,7 +3437,7 @@
             </a:r>
           </a:p>
           <a:p>
-            <a:pPr algn="l" marL="971542" indent="-485771" lvl="1">
+            <a:pPr marL="971542" lvl="1" indent="-485771" algn="l">
               <a:lnSpc>
                 <a:spcPts val="6299"/>
               </a:lnSpc>
@@ -3460,7 +3458,7 @@
             </a:r>
           </a:p>
           <a:p>
-            <a:pPr algn="l" marL="971542" indent="-485771" lvl="1">
+            <a:pPr marL="971542" lvl="1" indent="-485771" algn="l">
               <a:lnSpc>
                 <a:spcPts val="6299"/>
               </a:lnSpc>
@@ -3486,6 +3484,15 @@
                 <a:spcPts val="6299"/>
               </a:lnSpc>
             </a:pPr>
+            <a:endParaRPr lang="en-US" sz="4499">
+              <a:solidFill>
+                <a:srgbClr val="FFFFFF"/>
+              </a:solidFill>
+              <a:latin typeface="Poppins"/>
+              <a:ea typeface="Poppins"/>
+              <a:cs typeface="Poppins"/>
+              <a:sym typeface="Poppins"/>
+            </a:endParaRPr>
           </a:p>
         </p:txBody>
       </p:sp>
@@ -3498,13 +3505,14 @@
 </file>
 
 <file path=ppt/slides/slide3.xml><?xml version="1.0" encoding="utf-8"?>
-<p:sld xmlns:p="http://schemas.openxmlformats.org/presentationml/2006/main" xmlns:a="http://schemas.openxmlformats.org/drawingml/2006/main" xmlns:r="http://schemas.openxmlformats.org/officeDocument/2006/relationships">
+<p:sld xmlns:a="http://schemas.openxmlformats.org/drawingml/2006/main" xmlns:r="http://schemas.openxmlformats.org/officeDocument/2006/relationships" xmlns:p="http://schemas.openxmlformats.org/presentationml/2006/main">
   <p:cSld>
     <p:bg>
       <p:bgPr>
         <a:solidFill>
           <a:srgbClr val="0E284B"/>
         </a:solidFill>
+        <a:effectLst/>
       </p:bgPr>
     </p:bg>
     <p:spTree>
@@ -3523,12 +3531,12 @@
       </p:grpSpPr>
       <p:sp>
         <p:nvSpPr>
-          <p:cNvPr name="TextBox 2" id="2"/>
-          <p:cNvSpPr txBox="true"/>
+          <p:cNvPr id="2" name="TextBox 2"/>
+          <p:cNvSpPr txBox="1"/>
           <p:nvPr/>
         </p:nvSpPr>
         <p:spPr>
-          <a:xfrm rot="0">
+          <a:xfrm>
             <a:off x="378000" y="488191"/>
             <a:ext cx="11137721" cy="1865641"/>
           </a:xfrm>
@@ -3537,7 +3545,7 @@
           </a:prstGeom>
         </p:spPr>
         <p:txBody>
-          <a:bodyPr anchor="t" rtlCol="false" tIns="0" lIns="0" bIns="0" rIns="0">
+          <a:bodyPr lIns="0" tIns="0" rIns="0" bIns="0" rtlCol="0" anchor="t">
             <a:spAutoFit/>
           </a:bodyPr>
           <a:lstStyle/>
@@ -3564,12 +3572,12 @@
       </p:sp>
       <p:sp>
         <p:nvSpPr>
-          <p:cNvPr name="TextBox 3" id="3"/>
-          <p:cNvSpPr txBox="true"/>
+          <p:cNvPr id="3" name="TextBox 3"/>
+          <p:cNvSpPr txBox="1"/>
           <p:nvPr/>
         </p:nvSpPr>
         <p:spPr>
-          <a:xfrm rot="0">
+          <a:xfrm>
             <a:off x="223513" y="3722396"/>
             <a:ext cx="17362289" cy="3053081"/>
           </a:xfrm>
@@ -3578,12 +3586,12 @@
           </a:prstGeom>
         </p:spPr>
         <p:txBody>
-          <a:bodyPr anchor="t" rtlCol="false" tIns="0" lIns="0" bIns="0" rIns="0">
+          <a:bodyPr lIns="0" tIns="0" rIns="0" bIns="0" rtlCol="0" anchor="t">
             <a:spAutoFit/>
           </a:bodyPr>
           <a:lstStyle/>
           <a:p>
-            <a:pPr algn="l" marL="928363" indent="-464181" lvl="1">
+            <a:pPr marL="928363" lvl="1" indent="-464181" algn="l">
               <a:lnSpc>
                 <a:spcPts val="6019"/>
               </a:lnSpc>
@@ -3604,7 +3612,7 @@
             </a:r>
           </a:p>
           <a:p>
-            <a:pPr algn="l" marL="928363" indent="-464181" lvl="1">
+            <a:pPr marL="928363" lvl="1" indent="-464181" algn="l">
               <a:lnSpc>
                 <a:spcPts val="6019"/>
               </a:lnSpc>
@@ -3625,7 +3633,7 @@
             </a:r>
           </a:p>
           <a:p>
-            <a:pPr algn="l" marL="928363" indent="-464181" lvl="1">
+            <a:pPr marL="928363" lvl="1" indent="-464181" algn="l">
               <a:lnSpc>
                 <a:spcPts val="6019"/>
               </a:lnSpc>
@@ -3651,17 +3659,26 @@
                 <a:spcPts val="6019"/>
               </a:lnSpc>
             </a:pPr>
-          </a:p>
-        </p:txBody>
-      </p:sp>
-      <p:sp>
-        <p:nvSpPr>
-          <p:cNvPr name="Freeform 4" id="4"/>
+            <a:endParaRPr lang="en-US" sz="4299">
+              <a:solidFill>
+                <a:srgbClr val="FFFFFF"/>
+              </a:solidFill>
+              <a:latin typeface="Poppins"/>
+              <a:ea typeface="Poppins"/>
+              <a:cs typeface="Poppins"/>
+              <a:sym typeface="Poppins"/>
+            </a:endParaRPr>
+          </a:p>
+        </p:txBody>
+      </p:sp>
+      <p:sp>
+        <p:nvSpPr>
+          <p:cNvPr id="4" name="Freeform 4"/>
           <p:cNvSpPr/>
           <p:nvPr/>
         </p:nvSpPr>
         <p:spPr>
-          <a:xfrm flipH="false" flipV="false" rot="0">
+          <a:xfrm>
             <a:off x="14857858" y="-351298"/>
             <a:ext cx="3430142" cy="3430142"/>
           </a:xfrm>
@@ -3670,9 +3687,9 @@
             <a:gdLst/>
             <a:ahLst/>
             <a:cxnLst/>
-            <a:rect r="r" b="b" t="t" l="l"/>
+            <a:rect l="l" t="t" r="r" b="b"/>
             <a:pathLst>
-              <a:path h="3430142" w="3430142">
+              <a:path w="3430142" h="3430142">
                 <a:moveTo>
                   <a:pt x="0" y="0"/>
                 </a:moveTo>
@@ -3695,19 +3712,19 @@
           <a:blipFill>
             <a:blip r:embed="rId2"/>
             <a:stretch>
-              <a:fillRect l="0" t="0" r="0" b="0"/>
+              <a:fillRect/>
             </a:stretch>
           </a:blipFill>
         </p:spPr>
       </p:sp>
       <p:sp>
         <p:nvSpPr>
-          <p:cNvPr name="Freeform 5" id="5"/>
+          <p:cNvPr id="5" name="Freeform 5"/>
           <p:cNvSpPr/>
           <p:nvPr/>
         </p:nvSpPr>
         <p:spPr>
-          <a:xfrm flipH="false" flipV="false" rot="0">
+          <a:xfrm>
             <a:off x="0" y="2386853"/>
             <a:ext cx="18288000" cy="8229600"/>
           </a:xfrm>
@@ -3716,9 +3733,9 @@
             <a:gdLst/>
             <a:ahLst/>
             <a:cxnLst/>
-            <a:rect r="r" b="b" t="t" l="l"/>
+            <a:rect l="l" t="t" r="r" b="b"/>
             <a:pathLst>
-              <a:path h="8229600" w="18288000">
+              <a:path w="18288000" h="8229600">
                 <a:moveTo>
                   <a:pt x="0" y="0"/>
                 </a:moveTo>
@@ -3743,7 +3760,7 @@
               <a:alphaModFix amt="6999"/>
             </a:blip>
             <a:stretch>
-              <a:fillRect l="0" t="-12500" r="0" b="-12500"/>
+              <a:fillRect t="-12500" b="-12500"/>
             </a:stretch>
           </a:blipFill>
         </p:spPr>
@@ -3757,13 +3774,14 @@
 </file>
 
 <file path=ppt/slides/slide4.xml><?xml version="1.0" encoding="utf-8"?>
-<p:sld xmlns:p="http://schemas.openxmlformats.org/presentationml/2006/main" xmlns:a="http://schemas.openxmlformats.org/drawingml/2006/main" xmlns:r="http://schemas.openxmlformats.org/officeDocument/2006/relationships">
+<p:sld xmlns:a="http://schemas.openxmlformats.org/drawingml/2006/main" xmlns:r="http://schemas.openxmlformats.org/officeDocument/2006/relationships" xmlns:p="http://schemas.openxmlformats.org/presentationml/2006/main">
   <p:cSld>
     <p:bg>
       <p:bgPr>
         <a:solidFill>
           <a:srgbClr val="0E284B"/>
         </a:solidFill>
+        <a:effectLst/>
       </p:bgPr>
     </p:bg>
     <p:spTree>
@@ -3782,12 +3800,12 @@
       </p:grpSpPr>
       <p:sp>
         <p:nvSpPr>
-          <p:cNvPr name="TextBox 2" id="2"/>
-          <p:cNvSpPr txBox="true"/>
+          <p:cNvPr id="2" name="TextBox 2"/>
+          <p:cNvSpPr txBox="1"/>
           <p:nvPr/>
         </p:nvSpPr>
         <p:spPr>
-          <a:xfrm rot="0">
+          <a:xfrm>
             <a:off x="634365" y="3931958"/>
             <a:ext cx="15425619" cy="3328671"/>
           </a:xfrm>
@@ -3796,12 +3814,12 @@
           </a:prstGeom>
         </p:spPr>
         <p:txBody>
-          <a:bodyPr anchor="t" rtlCol="false" tIns="0" lIns="0" bIns="0" rIns="0">
+          <a:bodyPr lIns="0" tIns="0" rIns="0" bIns="0" rtlCol="0" anchor="t">
             <a:spAutoFit/>
           </a:bodyPr>
           <a:lstStyle/>
           <a:p>
-            <a:pPr algn="l" marL="1014721" indent="-507360" lvl="1">
+            <a:pPr marL="1014721" lvl="1" indent="-507360" algn="l">
               <a:lnSpc>
                 <a:spcPts val="6579"/>
               </a:lnSpc>
@@ -3818,8 +3836,17 @@
                 <a:cs typeface="Poppins"/>
                 <a:sym typeface="Poppins"/>
               </a:rPr>
-              <a:t>E</a:t>
-            </a:r>
+              <a:t>Enable users to search and book doctors easily.</a:t>
+            </a:r>
+          </a:p>
+          <a:p>
+            <a:pPr marL="1014721" lvl="1" indent="-507360" algn="l">
+              <a:lnSpc>
+                <a:spcPts val="6579"/>
+              </a:lnSpc>
+              <a:buFont typeface="Arial"/>
+              <a:buChar char="•"/>
+            </a:pPr>
             <a:r>
               <a:rPr lang="en-US" sz="4699">
                 <a:solidFill>
@@ -3830,44 +3857,11 @@
                 <a:cs typeface="Poppins"/>
                 <a:sym typeface="Poppins"/>
               </a:rPr>
-              <a:t>nable users to search and book doctors easily.</a:t>
-            </a:r>
-          </a:p>
-          <a:p>
-            <a:pPr algn="l" marL="1014721" indent="-507360" lvl="1">
-              <a:lnSpc>
-                <a:spcPts val="6579"/>
-              </a:lnSpc>
-              <a:buFont typeface="Arial"/>
-              <a:buChar char="•"/>
-            </a:pPr>
-            <a:r>
-              <a:rPr lang="en-US" sz="4699">
-                <a:solidFill>
-                  <a:srgbClr val="FFFFFF"/>
-                </a:solidFill>
-                <a:latin typeface="Poppins"/>
-                <a:ea typeface="Poppins"/>
-                <a:cs typeface="Poppins"/>
-                <a:sym typeface="Poppins"/>
-              </a:rPr>
-              <a:t>Pr</a:t>
-            </a:r>
-            <a:r>
-              <a:rPr lang="en-US" sz="4699">
-                <a:solidFill>
-                  <a:srgbClr val="FFFFFF"/>
-                </a:solidFill>
-                <a:latin typeface="Poppins"/>
-                <a:ea typeface="Poppins"/>
-                <a:cs typeface="Poppins"/>
-                <a:sym typeface="Poppins"/>
-              </a:rPr>
-              <a:t>ovide schedules, availability, and Doctor info.</a:t>
-            </a:r>
-          </a:p>
-          <a:p>
-            <a:pPr algn="l" marL="1014721" indent="-507360" lvl="1">
+              <a:t>Provide schedules, availability, and Doctor info.</a:t>
+            </a:r>
+          </a:p>
+          <a:p>
+            <a:pPr marL="1014721" lvl="1" indent="-507360" algn="l">
               <a:lnSpc>
                 <a:spcPts val="6579"/>
               </a:lnSpc>
@@ -3893,17 +3887,26 @@
                 <a:spcPts val="6579"/>
               </a:lnSpc>
             </a:pPr>
-          </a:p>
-        </p:txBody>
-      </p:sp>
-      <p:sp>
-        <p:nvSpPr>
-          <p:cNvPr name="TextBox 3" id="3"/>
-          <p:cNvSpPr txBox="true"/>
+            <a:endParaRPr lang="en-US" sz="4699">
+              <a:solidFill>
+                <a:srgbClr val="FFFFFF"/>
+              </a:solidFill>
+              <a:latin typeface="Poppins"/>
+              <a:ea typeface="Poppins"/>
+              <a:cs typeface="Poppins"/>
+              <a:sym typeface="Poppins"/>
+            </a:endParaRPr>
+          </a:p>
+        </p:txBody>
+      </p:sp>
+      <p:sp>
+        <p:nvSpPr>
+          <p:cNvPr id="3" name="TextBox 3"/>
+          <p:cNvSpPr txBox="1"/>
           <p:nvPr/>
         </p:nvSpPr>
         <p:spPr>
-          <a:xfrm rot="0">
+          <a:xfrm>
             <a:off x="1028700" y="638175"/>
             <a:ext cx="5725227" cy="1941208"/>
           </a:xfrm>
@@ -3912,7 +3915,7 @@
           </a:prstGeom>
         </p:spPr>
         <p:txBody>
-          <a:bodyPr anchor="t" rtlCol="false" tIns="0" lIns="0" bIns="0" rIns="0">
+          <a:bodyPr lIns="0" tIns="0" rIns="0" bIns="0" rtlCol="0" anchor="t">
             <a:spAutoFit/>
           </a:bodyPr>
           <a:lstStyle/>
@@ -3939,12 +3942,12 @@
       </p:sp>
       <p:sp>
         <p:nvSpPr>
-          <p:cNvPr name="Freeform 4" id="4"/>
+          <p:cNvPr id="4" name="Freeform 4"/>
           <p:cNvSpPr/>
           <p:nvPr/>
         </p:nvSpPr>
         <p:spPr>
-          <a:xfrm flipH="false" flipV="false" rot="0">
+          <a:xfrm>
             <a:off x="14857858" y="-351298"/>
             <a:ext cx="3430142" cy="3430142"/>
           </a:xfrm>
@@ -3953,9 +3956,9 @@
             <a:gdLst/>
             <a:ahLst/>
             <a:cxnLst/>
-            <a:rect r="r" b="b" t="t" l="l"/>
+            <a:rect l="l" t="t" r="r" b="b"/>
             <a:pathLst>
-              <a:path h="3430142" w="3430142">
+              <a:path w="3430142" h="3430142">
                 <a:moveTo>
                   <a:pt x="0" y="0"/>
                 </a:moveTo>
@@ -3978,19 +3981,19 @@
           <a:blipFill>
             <a:blip r:embed="rId2"/>
             <a:stretch>
-              <a:fillRect l="0" t="0" r="0" b="0"/>
+              <a:fillRect/>
             </a:stretch>
           </a:blipFill>
         </p:spPr>
       </p:sp>
       <p:sp>
         <p:nvSpPr>
-          <p:cNvPr name="Freeform 5" id="5"/>
+          <p:cNvPr id="5" name="Freeform 5"/>
           <p:cNvSpPr/>
           <p:nvPr/>
         </p:nvSpPr>
         <p:spPr>
-          <a:xfrm flipH="false" flipV="false" rot="0">
+          <a:xfrm>
             <a:off x="0" y="2386853"/>
             <a:ext cx="18288000" cy="8229600"/>
           </a:xfrm>
@@ -3999,9 +4002,9 @@
             <a:gdLst/>
             <a:ahLst/>
             <a:cxnLst/>
-            <a:rect r="r" b="b" t="t" l="l"/>
+            <a:rect l="l" t="t" r="r" b="b"/>
             <a:pathLst>
-              <a:path h="8229600" w="18288000">
+              <a:path w="18288000" h="8229600">
                 <a:moveTo>
                   <a:pt x="0" y="0"/>
                 </a:moveTo>
@@ -4026,7 +4029,7 @@
               <a:alphaModFix amt="6999"/>
             </a:blip>
             <a:stretch>
-              <a:fillRect l="0" t="-12500" r="0" b="-12500"/>
+              <a:fillRect t="-12500" b="-12500"/>
             </a:stretch>
           </a:blipFill>
         </p:spPr>
@@ -4040,13 +4043,14 @@
 </file>
 
 <file path=ppt/slides/slide5.xml><?xml version="1.0" encoding="utf-8"?>
-<p:sld xmlns:p="http://schemas.openxmlformats.org/presentationml/2006/main" xmlns:a="http://schemas.openxmlformats.org/drawingml/2006/main" xmlns:r="http://schemas.openxmlformats.org/officeDocument/2006/relationships">
+<p:sld xmlns:a="http://schemas.openxmlformats.org/drawingml/2006/main" xmlns:r="http://schemas.openxmlformats.org/officeDocument/2006/relationships" xmlns:p="http://schemas.openxmlformats.org/presentationml/2006/main">
   <p:cSld>
     <p:bg>
       <p:bgPr>
         <a:solidFill>
           <a:srgbClr val="0E284B"/>
         </a:solidFill>
+        <a:effectLst/>
       </p:bgPr>
     </p:bg>
     <p:spTree>
@@ -4065,12 +4069,12 @@
       </p:grpSpPr>
       <p:sp>
         <p:nvSpPr>
-          <p:cNvPr name="Freeform 2" id="2"/>
+          <p:cNvPr id="2" name="Freeform 2"/>
           <p:cNvSpPr/>
           <p:nvPr/>
         </p:nvSpPr>
         <p:spPr>
-          <a:xfrm flipH="false" flipV="false" rot="0">
+          <a:xfrm>
             <a:off x="14857858" y="-351298"/>
             <a:ext cx="3430142" cy="3430142"/>
           </a:xfrm>
@@ -4079,9 +4083,9 @@
             <a:gdLst/>
             <a:ahLst/>
             <a:cxnLst/>
-            <a:rect r="r" b="b" t="t" l="l"/>
+            <a:rect l="l" t="t" r="r" b="b"/>
             <a:pathLst>
-              <a:path h="3430142" w="3430142">
+              <a:path w="3430142" h="3430142">
                 <a:moveTo>
                   <a:pt x="0" y="0"/>
                 </a:moveTo>
@@ -4104,19 +4108,19 @@
           <a:blipFill>
             <a:blip r:embed="rId2"/>
             <a:stretch>
-              <a:fillRect l="0" t="0" r="0" b="0"/>
+              <a:fillRect/>
             </a:stretch>
           </a:blipFill>
         </p:spPr>
       </p:sp>
       <p:sp>
         <p:nvSpPr>
-          <p:cNvPr name="Freeform 3" id="3"/>
+          <p:cNvPr id="3" name="Freeform 3"/>
           <p:cNvSpPr/>
           <p:nvPr/>
         </p:nvSpPr>
         <p:spPr>
-          <a:xfrm flipH="false" flipV="false" rot="0">
+          <a:xfrm>
             <a:off x="1567914" y="2244724"/>
             <a:ext cx="14702533" cy="8270175"/>
           </a:xfrm>
@@ -4125,9 +4129,9 @@
             <a:gdLst/>
             <a:ahLst/>
             <a:cxnLst/>
-            <a:rect r="r" b="b" t="t" l="l"/>
+            <a:rect l="l" t="t" r="r" b="b"/>
             <a:pathLst>
-              <a:path h="8270175" w="14702533">
+              <a:path w="14702533" h="8270175">
                 <a:moveTo>
                   <a:pt x="0" y="0"/>
                 </a:moveTo>
@@ -4150,19 +4154,19 @@
           <a:blipFill>
             <a:blip r:embed="rId3"/>
             <a:stretch>
-              <a:fillRect l="0" t="0" r="0" b="0"/>
+              <a:fillRect/>
             </a:stretch>
           </a:blipFill>
         </p:spPr>
       </p:sp>
       <p:sp>
         <p:nvSpPr>
-          <p:cNvPr name="TextBox 4" id="4"/>
-          <p:cNvSpPr txBox="true"/>
+          <p:cNvPr id="4" name="TextBox 4"/>
+          <p:cNvSpPr txBox="1"/>
           <p:nvPr/>
         </p:nvSpPr>
         <p:spPr>
-          <a:xfrm rot="0">
+          <a:xfrm>
             <a:off x="1263292" y="685800"/>
             <a:ext cx="6024443" cy="1697995"/>
           </a:xfrm>
@@ -4171,7 +4175,7 @@
           </a:prstGeom>
         </p:spPr>
         <p:txBody>
-          <a:bodyPr anchor="t" rtlCol="false" tIns="0" lIns="0" bIns="0" rIns="0">
+          <a:bodyPr lIns="0" tIns="0" rIns="0" bIns="0" rtlCol="0" anchor="t">
             <a:spAutoFit/>
           </a:bodyPr>
           <a:lstStyle/>
@@ -4201,12 +4205,12 @@
       </p:sp>
       <p:sp>
         <p:nvSpPr>
-          <p:cNvPr name="Freeform 5" id="5"/>
+          <p:cNvPr id="5" name="Freeform 5"/>
           <p:cNvSpPr/>
           <p:nvPr/>
         </p:nvSpPr>
         <p:spPr>
-          <a:xfrm flipH="false" flipV="false" rot="0">
+          <a:xfrm>
             <a:off x="0" y="2386853"/>
             <a:ext cx="18288000" cy="8229600"/>
           </a:xfrm>
@@ -4215,9 +4219,9 @@
             <a:gdLst/>
             <a:ahLst/>
             <a:cxnLst/>
-            <a:rect r="r" b="b" t="t" l="l"/>
+            <a:rect l="l" t="t" r="r" b="b"/>
             <a:pathLst>
-              <a:path h="8229600" w="18288000">
+              <a:path w="18288000" h="8229600">
                 <a:moveTo>
                   <a:pt x="0" y="0"/>
                 </a:moveTo>
@@ -4242,7 +4246,7 @@
               <a:alphaModFix amt="6999"/>
             </a:blip>
             <a:stretch>
-              <a:fillRect l="0" t="-12500" r="0" b="-12500"/>
+              <a:fillRect t="-12500" b="-12500"/>
             </a:stretch>
           </a:blipFill>
         </p:spPr>
@@ -4256,13 +4260,14 @@
 </file>
 
 <file path=ppt/slides/slide6.xml><?xml version="1.0" encoding="utf-8"?>
-<p:sld xmlns:p="http://schemas.openxmlformats.org/presentationml/2006/main" xmlns:a="http://schemas.openxmlformats.org/drawingml/2006/main" xmlns:r="http://schemas.openxmlformats.org/officeDocument/2006/relationships">
+<p:sld xmlns:a="http://schemas.openxmlformats.org/drawingml/2006/main" xmlns:r="http://schemas.openxmlformats.org/officeDocument/2006/relationships" xmlns:p="http://schemas.openxmlformats.org/presentationml/2006/main">
   <p:cSld>
     <p:bg>
       <p:bgPr>
         <a:solidFill>
           <a:srgbClr val="0E284B"/>
         </a:solidFill>
+        <a:effectLst/>
       </p:bgPr>
     </p:bg>
     <p:spTree>
@@ -4281,12 +4286,12 @@
       </p:grpSpPr>
       <p:sp>
         <p:nvSpPr>
-          <p:cNvPr name="Freeform 2" id="2"/>
+          <p:cNvPr id="2" name="Freeform 2"/>
           <p:cNvSpPr/>
           <p:nvPr/>
         </p:nvSpPr>
         <p:spPr>
-          <a:xfrm flipH="false" flipV="false" rot="0">
+          <a:xfrm>
             <a:off x="14857858" y="-351298"/>
             <a:ext cx="3430142" cy="3430142"/>
           </a:xfrm>
@@ -4295,9 +4300,9 @@
             <a:gdLst/>
             <a:ahLst/>
             <a:cxnLst/>
-            <a:rect r="r" b="b" t="t" l="l"/>
+            <a:rect l="l" t="t" r="r" b="b"/>
             <a:pathLst>
-              <a:path h="3430142" w="3430142">
+              <a:path w="3430142" h="3430142">
                 <a:moveTo>
                   <a:pt x="0" y="0"/>
                 </a:moveTo>
@@ -4320,19 +4325,19 @@
           <a:blipFill>
             <a:blip r:embed="rId2"/>
             <a:stretch>
-              <a:fillRect l="0" t="0" r="0" b="0"/>
+              <a:fillRect/>
             </a:stretch>
           </a:blipFill>
         </p:spPr>
       </p:sp>
       <p:sp>
         <p:nvSpPr>
-          <p:cNvPr name="Freeform 3" id="3"/>
+          <p:cNvPr id="3" name="Freeform 3"/>
           <p:cNvSpPr/>
           <p:nvPr/>
         </p:nvSpPr>
         <p:spPr>
-          <a:xfrm flipH="false" flipV="false" rot="0">
+          <a:xfrm>
             <a:off x="2086943" y="2627373"/>
             <a:ext cx="13869026" cy="6105688"/>
           </a:xfrm>
@@ -4341,9 +4346,9 @@
             <a:gdLst/>
             <a:ahLst/>
             <a:cxnLst/>
-            <a:rect r="r" b="b" t="t" l="l"/>
+            <a:rect l="l" t="t" r="r" b="b"/>
             <a:pathLst>
-              <a:path h="6105688" w="13869026">
+              <a:path w="13869026" h="6105688">
                 <a:moveTo>
                   <a:pt x="0" y="0"/>
                 </a:moveTo>
@@ -4366,19 +4371,19 @@
           <a:blipFill>
             <a:blip r:embed="rId3"/>
             <a:stretch>
-              <a:fillRect l="-6622" t="0" r="-6622" b="0"/>
+              <a:fillRect l="-6622" r="-6622"/>
             </a:stretch>
           </a:blipFill>
         </p:spPr>
       </p:sp>
       <p:sp>
         <p:nvSpPr>
-          <p:cNvPr name="TextBox 4" id="4"/>
-          <p:cNvSpPr txBox="true"/>
+          <p:cNvPr id="4" name="TextBox 4"/>
+          <p:cNvSpPr txBox="1"/>
           <p:nvPr/>
         </p:nvSpPr>
         <p:spPr>
-          <a:xfrm rot="0">
+          <a:xfrm>
             <a:off x="1548643" y="403336"/>
             <a:ext cx="2337792" cy="1747527"/>
           </a:xfrm>
@@ -4387,7 +4392,7 @@
           </a:prstGeom>
         </p:spPr>
         <p:txBody>
-          <a:bodyPr anchor="t" rtlCol="false" tIns="0" lIns="0" bIns="0" rIns="0">
+          <a:bodyPr lIns="0" tIns="0" rIns="0" bIns="0" rtlCol="0" anchor="t">
             <a:spAutoFit/>
           </a:bodyPr>
           <a:lstStyle/>
@@ -4417,12 +4422,12 @@
       </p:sp>
       <p:sp>
         <p:nvSpPr>
-          <p:cNvPr name="TextBox 5" id="5"/>
-          <p:cNvSpPr txBox="true"/>
+          <p:cNvPr id="5" name="TextBox 5"/>
+          <p:cNvSpPr txBox="1"/>
           <p:nvPr/>
         </p:nvSpPr>
         <p:spPr>
-          <a:xfrm rot="0">
+          <a:xfrm>
             <a:off x="7180778" y="8763923"/>
             <a:ext cx="3926443" cy="1083940"/>
           </a:xfrm>
@@ -4431,7 +4436,7 @@
           </a:prstGeom>
         </p:spPr>
         <p:txBody>
-          <a:bodyPr anchor="t" rtlCol="false" tIns="0" lIns="0" bIns="0" rIns="0">
+          <a:bodyPr lIns="0" tIns="0" rIns="0" bIns="0" rtlCol="0" anchor="t">
             <a:spAutoFit/>
           </a:bodyPr>
           <a:lstStyle/>
@@ -4468,13 +4473,14 @@
 </file>
 
 <file path=ppt/slides/slide7.xml><?xml version="1.0" encoding="utf-8"?>
-<p:sld xmlns:p="http://schemas.openxmlformats.org/presentationml/2006/main" xmlns:a="http://schemas.openxmlformats.org/drawingml/2006/main" xmlns:r="http://schemas.openxmlformats.org/officeDocument/2006/relationships">
+<p:sld xmlns:a="http://schemas.openxmlformats.org/drawingml/2006/main" xmlns:r="http://schemas.openxmlformats.org/officeDocument/2006/relationships" xmlns:p="http://schemas.openxmlformats.org/presentationml/2006/main">
   <p:cSld>
     <p:bg>
       <p:bgPr>
         <a:solidFill>
           <a:srgbClr val="0E284B"/>
         </a:solidFill>
+        <a:effectLst/>
       </p:bgPr>
     </p:bg>
     <p:spTree>
@@ -4493,12 +4499,12 @@
       </p:grpSpPr>
       <p:sp>
         <p:nvSpPr>
-          <p:cNvPr name="Freeform 2" id="2"/>
+          <p:cNvPr id="2" name="Freeform 2"/>
           <p:cNvSpPr/>
           <p:nvPr/>
         </p:nvSpPr>
         <p:spPr>
-          <a:xfrm flipH="false" flipV="false" rot="0">
+          <a:xfrm>
             <a:off x="14857858" y="-351298"/>
             <a:ext cx="3430142" cy="3430142"/>
           </a:xfrm>
@@ -4507,9 +4513,9 @@
             <a:gdLst/>
             <a:ahLst/>
             <a:cxnLst/>
-            <a:rect r="r" b="b" t="t" l="l"/>
+            <a:rect l="l" t="t" r="r" b="b"/>
             <a:pathLst>
-              <a:path h="3430142" w="3430142">
+              <a:path w="3430142" h="3430142">
                 <a:moveTo>
                   <a:pt x="0" y="0"/>
                 </a:moveTo>
@@ -4532,19 +4538,19 @@
           <a:blipFill>
             <a:blip r:embed="rId2"/>
             <a:stretch>
-              <a:fillRect l="0" t="0" r="0" b="0"/>
+              <a:fillRect/>
             </a:stretch>
           </a:blipFill>
         </p:spPr>
       </p:sp>
       <p:sp>
         <p:nvSpPr>
-          <p:cNvPr name="TextBox 3" id="3"/>
-          <p:cNvSpPr txBox="true"/>
+          <p:cNvPr id="3" name="TextBox 3"/>
+          <p:cNvSpPr txBox="1"/>
           <p:nvPr/>
         </p:nvSpPr>
         <p:spPr>
-          <a:xfrm rot="0">
+          <a:xfrm>
             <a:off x="1028700" y="450763"/>
             <a:ext cx="5689997" cy="1849130"/>
           </a:xfrm>
@@ -4553,7 +4559,7 @@
           </a:prstGeom>
         </p:spPr>
         <p:txBody>
-          <a:bodyPr anchor="t" rtlCol="false" tIns="0" lIns="0" bIns="0" rIns="0">
+          <a:bodyPr lIns="0" tIns="0" rIns="0" bIns="0" rtlCol="0" anchor="t">
             <a:spAutoFit/>
           </a:bodyPr>
           <a:lstStyle/>
@@ -4583,12 +4589,12 @@
       </p:sp>
       <p:sp>
         <p:nvSpPr>
-          <p:cNvPr name="TextBox 4" id="4"/>
-          <p:cNvSpPr txBox="true"/>
+          <p:cNvPr id="4" name="TextBox 4"/>
+          <p:cNvSpPr txBox="1"/>
           <p:nvPr/>
         </p:nvSpPr>
         <p:spPr>
-          <a:xfrm rot="0">
+          <a:xfrm>
             <a:off x="349862" y="3148968"/>
             <a:ext cx="17938138" cy="5266685"/>
           </a:xfrm>
@@ -4597,12 +4603,12 @@
           </a:prstGeom>
         </p:spPr>
         <p:txBody>
-          <a:bodyPr anchor="t" rtlCol="false" tIns="0" lIns="0" bIns="0" rIns="0">
+          <a:bodyPr lIns="0" tIns="0" rIns="0" bIns="0" rtlCol="0" anchor="t">
             <a:spAutoFit/>
           </a:bodyPr>
           <a:lstStyle/>
           <a:p>
-            <a:pPr algn="l" marL="1057956" indent="-528978" lvl="1">
+            <a:pPr marL="1057956" lvl="1" indent="-528978" algn="l">
               <a:lnSpc>
                 <a:spcPts val="6860"/>
               </a:lnSpc>
@@ -4623,7 +4629,7 @@
             </a:r>
           </a:p>
           <a:p>
-            <a:pPr algn="l" marL="1057956" indent="-528978" lvl="1">
+            <a:pPr marL="1057956" lvl="1" indent="-528978" algn="l">
               <a:lnSpc>
                 <a:spcPts val="6860"/>
               </a:lnSpc>
@@ -4644,7 +4650,7 @@
             </a:r>
           </a:p>
           <a:p>
-            <a:pPr algn="l" marL="1057956" indent="-528978" lvl="1">
+            <a:pPr marL="1057956" lvl="1" indent="-528978" algn="l">
               <a:lnSpc>
                 <a:spcPts val="6860"/>
               </a:lnSpc>
@@ -4665,7 +4671,7 @@
             </a:r>
           </a:p>
           <a:p>
-            <a:pPr algn="l" marL="1057956" indent="-528978" lvl="1">
+            <a:pPr marL="1057956" lvl="1" indent="-528978" algn="l">
               <a:lnSpc>
                 <a:spcPts val="6860"/>
               </a:lnSpc>
@@ -4691,17 +4697,26 @@
                 <a:spcPts val="6860"/>
               </a:lnSpc>
             </a:pPr>
-          </a:p>
-        </p:txBody>
-      </p:sp>
-      <p:sp>
-        <p:nvSpPr>
-          <p:cNvPr name="Freeform 5" id="5"/>
+            <a:endParaRPr lang="en-US" sz="4900">
+              <a:solidFill>
+                <a:srgbClr val="FFFFFF"/>
+              </a:solidFill>
+              <a:latin typeface="Satori Sans"/>
+              <a:ea typeface="Satori Sans"/>
+              <a:cs typeface="Satori Sans"/>
+              <a:sym typeface="Satori Sans"/>
+            </a:endParaRPr>
+          </a:p>
+        </p:txBody>
+      </p:sp>
+      <p:sp>
+        <p:nvSpPr>
+          <p:cNvPr id="5" name="Freeform 5"/>
           <p:cNvSpPr/>
           <p:nvPr/>
         </p:nvSpPr>
         <p:spPr>
-          <a:xfrm flipH="false" flipV="false" rot="0">
+          <a:xfrm>
             <a:off x="0" y="2489845"/>
             <a:ext cx="18288000" cy="8229600"/>
           </a:xfrm>
@@ -4710,9 +4725,9 @@
             <a:gdLst/>
             <a:ahLst/>
             <a:cxnLst/>
-            <a:rect r="r" b="b" t="t" l="l"/>
+            <a:rect l="l" t="t" r="r" b="b"/>
             <a:pathLst>
-              <a:path h="8229600" w="18288000">
+              <a:path w="18288000" h="8229600">
                 <a:moveTo>
                   <a:pt x="0" y="0"/>
                 </a:moveTo>
@@ -4737,19 +4752,19 @@
               <a:alphaModFix amt="6999"/>
             </a:blip>
             <a:stretch>
-              <a:fillRect l="0" t="-12500" r="0" b="-12500"/>
+              <a:fillRect t="-12500" b="-12500"/>
             </a:stretch>
           </a:blipFill>
         </p:spPr>
       </p:sp>
       <p:sp>
         <p:nvSpPr>
-          <p:cNvPr name="Freeform 6" id="6"/>
+          <p:cNvPr id="6" name="Freeform 6"/>
           <p:cNvSpPr/>
           <p:nvPr/>
         </p:nvSpPr>
         <p:spPr>
-          <a:xfrm flipH="false" flipV="false" rot="0">
+          <a:xfrm>
             <a:off x="0" y="2579383"/>
             <a:ext cx="18288000" cy="8229600"/>
           </a:xfrm>
@@ -4758,9 +4773,9 @@
             <a:gdLst/>
             <a:ahLst/>
             <a:cxnLst/>
-            <a:rect r="r" b="b" t="t" l="l"/>
+            <a:rect l="l" t="t" r="r" b="b"/>
             <a:pathLst>
-              <a:path h="8229600" w="18288000">
+              <a:path w="18288000" h="8229600">
                 <a:moveTo>
                   <a:pt x="0" y="0"/>
                 </a:moveTo>
@@ -4785,7 +4800,7 @@
               <a:alphaModFix amt="6999"/>
             </a:blip>
             <a:stretch>
-              <a:fillRect l="0" t="-12500" r="0" b="-12500"/>
+              <a:fillRect t="-12500" b="-12500"/>
             </a:stretch>
           </a:blipFill>
         </p:spPr>
@@ -4799,13 +4814,14 @@
 </file>
 
 <file path=ppt/slides/slide8.xml><?xml version="1.0" encoding="utf-8"?>
-<p:sld xmlns:p="http://schemas.openxmlformats.org/presentationml/2006/main" xmlns:a="http://schemas.openxmlformats.org/drawingml/2006/main" xmlns:r="http://schemas.openxmlformats.org/officeDocument/2006/relationships">
+<p:sld xmlns:a="http://schemas.openxmlformats.org/drawingml/2006/main" xmlns:r="http://schemas.openxmlformats.org/officeDocument/2006/relationships" xmlns:p="http://schemas.openxmlformats.org/presentationml/2006/main">
   <p:cSld>
     <p:bg>
       <p:bgPr>
         <a:solidFill>
           <a:srgbClr val="0E284B"/>
         </a:solidFill>
+        <a:effectLst/>
       </p:bgPr>
     </p:bg>
     <p:spTree>
@@ -4824,12 +4840,12 @@
       </p:grpSpPr>
       <p:sp>
         <p:nvSpPr>
-          <p:cNvPr name="Freeform 2" id="2"/>
+          <p:cNvPr id="2" name="Freeform 2"/>
           <p:cNvSpPr/>
           <p:nvPr/>
         </p:nvSpPr>
         <p:spPr>
-          <a:xfrm flipH="false" flipV="false" rot="0">
+          <a:xfrm>
             <a:off x="692027" y="-750946"/>
             <a:ext cx="16567273" cy="11037946"/>
           </a:xfrm>
@@ -4838,9 +4854,9 @@
             <a:gdLst/>
             <a:ahLst/>
             <a:cxnLst/>
-            <a:rect r="r" b="b" t="t" l="l"/>
+            <a:rect l="l" t="t" r="r" b="b"/>
             <a:pathLst>
-              <a:path h="11037946" w="16567273">
+              <a:path w="16567273" h="11037946">
                 <a:moveTo>
                   <a:pt x="0" y="0"/>
                 </a:moveTo>
@@ -4863,12 +4879,77 @@
           <a:blipFill>
             <a:blip r:embed="rId2"/>
             <a:stretch>
-              <a:fillRect l="0" t="0" r="0" b="0"/>
+              <a:fillRect/>
             </a:stretch>
           </a:blipFill>
         </p:spPr>
       </p:sp>
     </p:spTree>
+  </p:cSld>
+  <p:clrMapOvr>
+    <a:masterClrMapping/>
+  </p:clrMapOvr>
+</p:sld>
+</file>
+
+<file path=ppt/slides/slide9.xml><?xml version="1.0" encoding="utf-8"?>
+<p:sld xmlns:a="http://schemas.openxmlformats.org/drawingml/2006/main" xmlns:r="http://schemas.openxmlformats.org/officeDocument/2006/relationships" xmlns:p="http://schemas.openxmlformats.org/presentationml/2006/main">
+  <p:cSld>
+    <p:spTree>
+      <p:nvGrpSpPr>
+        <p:cNvPr id="1" name=""/>
+        <p:cNvGrpSpPr/>
+        <p:nvPr/>
+      </p:nvGrpSpPr>
+      <p:grpSpPr>
+        <a:xfrm>
+          <a:off x="0" y="0"/>
+          <a:ext cx="0" cy="0"/>
+          <a:chOff x="0" y="0"/>
+          <a:chExt cx="0" cy="0"/>
+        </a:xfrm>
+      </p:grpSpPr>
+      <p:sp>
+        <p:nvSpPr>
+          <p:cNvPr id="2" name="TextBox 1">
+            <a:extLst>
+              <a:ext uri="{FF2B5EF4-FFF2-40B4-BE49-F238E27FC236}">
+                <a16:creationId xmlns:a16="http://schemas.microsoft.com/office/drawing/2014/main" id="{3E6A573D-C623-0AEC-06EE-4726BF76E293}"/>
+              </a:ext>
+            </a:extLst>
+          </p:cNvPr>
+          <p:cNvSpPr txBox="1"/>
+          <p:nvPr/>
+        </p:nvSpPr>
+        <p:spPr>
+          <a:xfrm>
+            <a:off x="6629400" y="2781300"/>
+            <a:ext cx="721672" cy="369332"/>
+          </a:xfrm>
+          <a:prstGeom prst="rect">
+            <a:avLst/>
+          </a:prstGeom>
+          <a:noFill/>
+        </p:spPr>
+        <p:txBody>
+          <a:bodyPr wrap="none" rtlCol="0">
+            <a:spAutoFit/>
+          </a:bodyPr>
+          <a:lstStyle/>
+          <a:p>
+            <a:r>
+              <a:rPr lang="en-US"/>
+              <a:t>check</a:t>
+            </a:r>
+          </a:p>
+        </p:txBody>
+      </p:sp>
+    </p:spTree>
+    <p:extLst>
+      <p:ext uri="{BB962C8B-B14F-4D97-AF65-F5344CB8AC3E}">
+        <p14:creationId xmlns:p14="http://schemas.microsoft.com/office/powerpoint/2010/main" val="32709441"/>
+      </p:ext>
+    </p:extLst>
   </p:cSld>
   <p:clrMapOvr>
     <a:masterClrMapping/>
